--- a/Serazo-Devops.pptx
+++ b/Serazo-Devops.pptx
@@ -105,7 +105,16 @@
       </a:defRPr>
     </a:lvl9pPr>
   </p:defaultTextStyle>
+  <p:extLst>
+    <p:ext uri="{EFAFB233-063F-42B5-8137-9DF3F51BA10A}">
+      <p15:sldGuideLst xmlns:p15="http://schemas.microsoft.com/office/powerpoint/2012/main"/>
+    </p:ext>
+  </p:extLst>
 </p:presentation>
+</file>
+
+<file path=ppt/revisionInfo.xml><?xml version="1.0" encoding="utf-8"?>
+<p1510:revInfo xmlns:a="http://schemas.openxmlformats.org/drawingml/2006/main" xmlns:r="http://schemas.openxmlformats.org/officeDocument/2006/relationships" xmlns:p1510="http://schemas.microsoft.com/office/powerpoint/2015/10/main"/>
 </file>
 
 <file path=ppt/slideLayouts/slideLayout1.xml><?xml version="1.0" encoding="utf-8"?>
@@ -257,7 +266,7 @@
           <a:p>
             <a:fld id="{6B2F79DA-3EFD-4CC9-BB9A-31ECBD7E9C6F}" type="datetimeFigureOut">
               <a:rPr lang="en-CA" smtClean="0"/>
-              <a:t>2017-10-02</a:t>
+              <a:t>2017-10-03</a:t>
             </a:fld>
             <a:endParaRPr lang="en-CA"/>
           </a:p>
@@ -457,7 +466,7 @@
           <a:p>
             <a:fld id="{6B2F79DA-3EFD-4CC9-BB9A-31ECBD7E9C6F}" type="datetimeFigureOut">
               <a:rPr lang="en-CA" smtClean="0"/>
-              <a:t>2017-10-02</a:t>
+              <a:t>2017-10-03</a:t>
             </a:fld>
             <a:endParaRPr lang="en-CA"/>
           </a:p>
@@ -667,7 +676,7 @@
           <a:p>
             <a:fld id="{6B2F79DA-3EFD-4CC9-BB9A-31ECBD7E9C6F}" type="datetimeFigureOut">
               <a:rPr lang="en-CA" smtClean="0"/>
-              <a:t>2017-10-02</a:t>
+              <a:t>2017-10-03</a:t>
             </a:fld>
             <a:endParaRPr lang="en-CA"/>
           </a:p>
@@ -867,7 +876,7 @@
           <a:p>
             <a:fld id="{6B2F79DA-3EFD-4CC9-BB9A-31ECBD7E9C6F}" type="datetimeFigureOut">
               <a:rPr lang="en-CA" smtClean="0"/>
-              <a:t>2017-10-02</a:t>
+              <a:t>2017-10-03</a:t>
             </a:fld>
             <a:endParaRPr lang="en-CA"/>
           </a:p>
@@ -1143,7 +1152,7 @@
           <a:p>
             <a:fld id="{6B2F79DA-3EFD-4CC9-BB9A-31ECBD7E9C6F}" type="datetimeFigureOut">
               <a:rPr lang="en-CA" smtClean="0"/>
-              <a:t>2017-10-02</a:t>
+              <a:t>2017-10-03</a:t>
             </a:fld>
             <a:endParaRPr lang="en-CA"/>
           </a:p>
@@ -1411,7 +1420,7 @@
           <a:p>
             <a:fld id="{6B2F79DA-3EFD-4CC9-BB9A-31ECBD7E9C6F}" type="datetimeFigureOut">
               <a:rPr lang="en-CA" smtClean="0"/>
-              <a:t>2017-10-02</a:t>
+              <a:t>2017-10-03</a:t>
             </a:fld>
             <a:endParaRPr lang="en-CA"/>
           </a:p>
@@ -1826,7 +1835,7 @@
           <a:p>
             <a:fld id="{6B2F79DA-3EFD-4CC9-BB9A-31ECBD7E9C6F}" type="datetimeFigureOut">
               <a:rPr lang="en-CA" smtClean="0"/>
-              <a:t>2017-10-02</a:t>
+              <a:t>2017-10-03</a:t>
             </a:fld>
             <a:endParaRPr lang="en-CA"/>
           </a:p>
@@ -1968,7 +1977,7 @@
           <a:p>
             <a:fld id="{6B2F79DA-3EFD-4CC9-BB9A-31ECBD7E9C6F}" type="datetimeFigureOut">
               <a:rPr lang="en-CA" smtClean="0"/>
-              <a:t>2017-10-02</a:t>
+              <a:t>2017-10-03</a:t>
             </a:fld>
             <a:endParaRPr lang="en-CA"/>
           </a:p>
@@ -2081,7 +2090,7 @@
           <a:p>
             <a:fld id="{6B2F79DA-3EFD-4CC9-BB9A-31ECBD7E9C6F}" type="datetimeFigureOut">
               <a:rPr lang="en-CA" smtClean="0"/>
-              <a:t>2017-10-02</a:t>
+              <a:t>2017-10-03</a:t>
             </a:fld>
             <a:endParaRPr lang="en-CA"/>
           </a:p>
@@ -2394,7 +2403,7 @@
           <a:p>
             <a:fld id="{6B2F79DA-3EFD-4CC9-BB9A-31ECBD7E9C6F}" type="datetimeFigureOut">
               <a:rPr lang="en-CA" smtClean="0"/>
-              <a:t>2017-10-02</a:t>
+              <a:t>2017-10-03</a:t>
             </a:fld>
             <a:endParaRPr lang="en-CA"/>
           </a:p>
@@ -2683,7 +2692,7 @@
           <a:p>
             <a:fld id="{6B2F79DA-3EFD-4CC9-BB9A-31ECBD7E9C6F}" type="datetimeFigureOut">
               <a:rPr lang="en-CA" smtClean="0"/>
-              <a:t>2017-10-02</a:t>
+              <a:t>2017-10-03</a:t>
             </a:fld>
             <a:endParaRPr lang="en-CA"/>
           </a:p>
@@ -2926,7 +2935,7 @@
           <a:p>
             <a:fld id="{6B2F79DA-3EFD-4CC9-BB9A-31ECBD7E9C6F}" type="datetimeFigureOut">
               <a:rPr lang="en-CA" smtClean="0"/>
-              <a:t>2017-10-02</a:t>
+              <a:t>2017-10-03</a:t>
             </a:fld>
             <a:endParaRPr lang="en-CA"/>
           </a:p>
@@ -4115,7 +4124,7 @@
             <a:pPr algn="ctr"/>
             <a:r>
               <a:rPr lang="pt-BR" dirty="0"/>
-              <a:t>Port:8080</a:t>
+              <a:t>Port:5001</a:t>
             </a:r>
           </a:p>
         </p:txBody>
@@ -4165,7 +4174,7 @@
             <a:pPr algn="ctr"/>
             <a:r>
               <a:rPr lang="pt-BR" dirty="0"/>
-              <a:t>Port:8080</a:t>
+              <a:t>Port:5002</a:t>
             </a:r>
           </a:p>
         </p:txBody>
@@ -4311,7 +4320,7 @@
             <a:pPr algn="ctr"/>
             <a:r>
               <a:rPr lang="pt-BR" dirty="0"/>
-              <a:t>Port:8080</a:t>
+              <a:t>Port:8081</a:t>
             </a:r>
             <a:endParaRPr lang="en-CA" dirty="0"/>
           </a:p>
@@ -4455,7 +4464,7 @@
             <a:pPr algn="ctr"/>
             <a:r>
               <a:rPr lang="pt-BR" dirty="0"/>
-              <a:t>Port:8081</a:t>
+              <a:t>Port:8082</a:t>
             </a:r>
             <a:endParaRPr lang="en-CA" dirty="0"/>
           </a:p>

--- a/Serazo-Devops.pptx
+++ b/Serazo-Devops.pptx
@@ -4416,7 +4416,7 @@
             <a:pPr algn="ctr"/>
             <a:r>
               <a:rPr lang="pt-BR" dirty="0"/>
-              <a:t>Port:3307</a:t>
+              <a:t>Port:5003</a:t>
             </a:r>
             <a:endParaRPr lang="en-CA" dirty="0"/>
           </a:p>
